--- a/Project1_ppt.pptx
+++ b/Project1_ppt.pptx
@@ -26,6 +26,7 @@
     <p:sldId id="271" r:id="rId22"/>
     <p:sldId id="272" r:id="rId23"/>
     <p:sldId id="273" r:id="rId24"/>
+    <p:sldId id="274" r:id="rId25"/>
   </p:sldIdLst>
   <p:sldSz cy="5143500" cx="9144000"/>
   <p:notesSz cx="6858000" cy="9144000"/>
@@ -1005,7 +1006,7 @@
   <p:cSld>
     <p:spTree>
       <p:nvGrpSpPr>
-        <p:cNvPr id="192" name="Shape 192"/>
+        <p:cNvPr id="190" name="Shape 190"/>
         <p:cNvGrpSpPr/>
         <p:nvPr/>
       </p:nvGrpSpPr>
@@ -1019,7 +1020,7 @@
       </p:grpSpPr>
       <p:sp>
         <p:nvSpPr>
-          <p:cNvPr id="193" name="Google Shape;193;g1098e8b8ed0_2_329:notes"/>
+          <p:cNvPr id="191" name="Google Shape;191;g1098e8b8ed0_2_329:notes"/>
           <p:cNvSpPr/>
           <p:nvPr>
             <p:ph idx="2" type="sldImg"/>
@@ -1054,7 +1055,7 @@
       </p:sp>
       <p:sp>
         <p:nvSpPr>
-          <p:cNvPr id="194" name="Google Shape;194;g1098e8b8ed0_2_329:notes"/>
+          <p:cNvPr id="192" name="Google Shape;192;g1098e8b8ed0_2_329:notes"/>
           <p:cNvSpPr txBox="1"/>
           <p:nvPr>
             <p:ph idx="1" type="body"/>
@@ -1104,7 +1105,7 @@
   <p:cSld>
     <p:spTree>
       <p:nvGrpSpPr>
-        <p:cNvPr id="206" name="Shape 206"/>
+        <p:cNvPr id="204" name="Shape 204"/>
         <p:cNvGrpSpPr/>
         <p:nvPr/>
       </p:nvGrpSpPr>
@@ -1118,7 +1119,7 @@
       </p:grpSpPr>
       <p:sp>
         <p:nvSpPr>
-          <p:cNvPr id="207" name="Google Shape;207;g1098e8b8ed0_2_343:notes"/>
+          <p:cNvPr id="205" name="Google Shape;205;g1098e8b8ed0_2_343:notes"/>
           <p:cNvSpPr/>
           <p:nvPr>
             <p:ph idx="2" type="sldImg"/>
@@ -1153,7 +1154,7 @@
       </p:sp>
       <p:sp>
         <p:nvSpPr>
-          <p:cNvPr id="208" name="Google Shape;208;g1098e8b8ed0_2_343:notes"/>
+          <p:cNvPr id="206" name="Google Shape;206;g1098e8b8ed0_2_343:notes"/>
           <p:cNvSpPr txBox="1"/>
           <p:nvPr>
             <p:ph idx="1" type="body"/>
@@ -1203,7 +1204,7 @@
   <p:cSld>
     <p:spTree>
       <p:nvGrpSpPr>
-        <p:cNvPr id="215" name="Shape 215"/>
+        <p:cNvPr id="213" name="Shape 213"/>
         <p:cNvGrpSpPr/>
         <p:nvPr/>
       </p:nvGrpSpPr>
@@ -1217,7 +1218,7 @@
       </p:grpSpPr>
       <p:sp>
         <p:nvSpPr>
-          <p:cNvPr id="216" name="Google Shape;216;g1098e8b8ed0_2_373:notes"/>
+          <p:cNvPr id="214" name="Google Shape;214;g1098e8b8ed0_2_373:notes"/>
           <p:cNvSpPr/>
           <p:nvPr>
             <p:ph idx="2" type="sldImg"/>
@@ -1252,7 +1253,7 @@
       </p:sp>
       <p:sp>
         <p:nvSpPr>
-          <p:cNvPr id="217" name="Google Shape;217;g1098e8b8ed0_2_373:notes"/>
+          <p:cNvPr id="215" name="Google Shape;215;g1098e8b8ed0_2_373:notes"/>
           <p:cNvSpPr txBox="1"/>
           <p:nvPr>
             <p:ph idx="1" type="body"/>
@@ -1302,7 +1303,7 @@
   <p:cSld>
     <p:spTree>
       <p:nvGrpSpPr>
-        <p:cNvPr id="224" name="Shape 224"/>
+        <p:cNvPr id="222" name="Shape 222"/>
         <p:cNvGrpSpPr/>
         <p:nvPr/>
       </p:nvGrpSpPr>
@@ -1316,7 +1317,7 @@
       </p:grpSpPr>
       <p:sp>
         <p:nvSpPr>
-          <p:cNvPr id="225" name="Google Shape;225;g1098e8b8ed0_2_361:notes"/>
+          <p:cNvPr id="223" name="Google Shape;223;g1098e8b8ed0_2_361:notes"/>
           <p:cNvSpPr/>
           <p:nvPr>
             <p:ph idx="2" type="sldImg"/>
@@ -1351,7 +1352,7 @@
       </p:sp>
       <p:sp>
         <p:nvSpPr>
-          <p:cNvPr id="226" name="Google Shape;226;g1098e8b8ed0_2_361:notes"/>
+          <p:cNvPr id="224" name="Google Shape;224;g1098e8b8ed0_2_361:notes"/>
           <p:cNvSpPr txBox="1"/>
           <p:nvPr>
             <p:ph idx="1" type="body"/>
@@ -1401,7 +1402,7 @@
   <p:cSld>
     <p:spTree>
       <p:nvGrpSpPr>
-        <p:cNvPr id="233" name="Shape 233"/>
+        <p:cNvPr id="231" name="Shape 231"/>
         <p:cNvGrpSpPr/>
         <p:nvPr/>
       </p:nvGrpSpPr>
@@ -1415,7 +1416,7 @@
       </p:grpSpPr>
       <p:sp>
         <p:nvSpPr>
-          <p:cNvPr id="234" name="Google Shape;234;g1098e8b8ed0_2_423:notes"/>
+          <p:cNvPr id="232" name="Google Shape;232;g1098e8b8ed0_2_423:notes"/>
           <p:cNvSpPr/>
           <p:nvPr>
             <p:ph idx="2" type="sldImg"/>
@@ -1450,7 +1451,7 @@
       </p:sp>
       <p:sp>
         <p:nvSpPr>
-          <p:cNvPr id="235" name="Google Shape;235;g1098e8b8ed0_2_423:notes"/>
+          <p:cNvPr id="233" name="Google Shape;233;g1098e8b8ed0_2_423:notes"/>
           <p:cNvSpPr txBox="1"/>
           <p:nvPr>
             <p:ph idx="1" type="body"/>
@@ -1500,7 +1501,7 @@
   <p:cSld>
     <p:spTree>
       <p:nvGrpSpPr>
-        <p:cNvPr id="242" name="Shape 242"/>
+        <p:cNvPr id="240" name="Shape 240"/>
         <p:cNvGrpSpPr/>
         <p:nvPr/>
       </p:nvGrpSpPr>
@@ -1514,7 +1515,7 @@
       </p:grpSpPr>
       <p:sp>
         <p:nvSpPr>
-          <p:cNvPr id="243" name="Google Shape;243;g1098e8b8ed0_2_432:notes"/>
+          <p:cNvPr id="241" name="Google Shape;241;g1098e8b8ed0_2_432:notes"/>
           <p:cNvSpPr/>
           <p:nvPr>
             <p:ph idx="2" type="sldImg"/>
@@ -1549,7 +1550,7 @@
       </p:sp>
       <p:sp>
         <p:nvSpPr>
-          <p:cNvPr id="244" name="Google Shape;244;g1098e8b8ed0_2_432:notes"/>
+          <p:cNvPr id="242" name="Google Shape;242;g1098e8b8ed0_2_432:notes"/>
           <p:cNvSpPr txBox="1"/>
           <p:nvPr>
             <p:ph idx="1" type="body"/>
@@ -1599,7 +1600,7 @@
   <p:cSld>
     <p:spTree>
       <p:nvGrpSpPr>
-        <p:cNvPr id="253" name="Shape 253"/>
+        <p:cNvPr id="251" name="Shape 251"/>
         <p:cNvGrpSpPr/>
         <p:nvPr/>
       </p:nvGrpSpPr>
@@ -1613,7 +1614,7 @@
       </p:grpSpPr>
       <p:sp>
         <p:nvSpPr>
-          <p:cNvPr id="254" name="Google Shape;254;g1098e8b8ed0_2_476:notes"/>
+          <p:cNvPr id="252" name="Google Shape;252;g1098e8b8ed0_2_476:notes"/>
           <p:cNvSpPr/>
           <p:nvPr>
             <p:ph idx="2" type="sldImg"/>
@@ -1648,7 +1649,106 @@
       </p:sp>
       <p:sp>
         <p:nvSpPr>
-          <p:cNvPr id="255" name="Google Shape;255;g1098e8b8ed0_2_476:notes"/>
+          <p:cNvPr id="253" name="Google Shape;253;g1098e8b8ed0_2_476:notes"/>
+          <p:cNvSpPr txBox="1"/>
+          <p:nvPr>
+            <p:ph idx="1" type="body"/>
+          </p:nvPr>
+        </p:nvSpPr>
+        <p:spPr>
+          <a:xfrm>
+            <a:off x="685800" y="4343400"/>
+            <a:ext cx="5486400" cy="4114800"/>
+          </a:xfrm>
+          <a:prstGeom prst="rect">
+            <a:avLst/>
+          </a:prstGeom>
+        </p:spPr>
+        <p:txBody>
+          <a:bodyPr anchorCtr="0" anchor="t" bIns="91425" lIns="91425" spcFirstLastPara="1" rIns="91425" wrap="square" tIns="91425">
+            <a:noAutofit/>
+          </a:bodyPr>
+          <a:lstStyle/>
+          <a:p>
+            <a:pPr indent="0" lvl="0" marL="0" rtl="0" algn="l">
+              <a:spcBef>
+                <a:spcPts val="0"/>
+              </a:spcBef>
+              <a:spcAft>
+                <a:spcPts val="0"/>
+              </a:spcAft>
+              <a:buNone/>
+            </a:pPr>
+            <a:r>
+              <a:t/>
+            </a:r>
+            <a:endParaRPr/>
+          </a:p>
+        </p:txBody>
+      </p:sp>
+    </p:spTree>
+  </p:cSld>
+  <p:clrMapOvr>
+    <a:masterClrMapping/>
+  </p:clrMapOvr>
+</p:notes>
+</file>
+
+<file path=ppt/notesSlides/notesSlide19.xml><?xml version="1.0" encoding="utf-8"?>
+<p:notes xmlns:a="http://schemas.openxmlformats.org/drawingml/2006/main" xmlns:r="http://schemas.openxmlformats.org/officeDocument/2006/relationships" xmlns:mc="http://schemas.openxmlformats.org/markup-compatibility/2006" xmlns:mv="urn:schemas-microsoft-com:mac:vml" xmlns:p="http://schemas.openxmlformats.org/presentationml/2006/main" xmlns:c="http://schemas.openxmlformats.org/drawingml/2006/chart" xmlns:dgm="http://schemas.openxmlformats.org/drawingml/2006/diagram" xmlns:o="urn:schemas-microsoft-com:office:office" xmlns:v="urn:schemas-microsoft-com:vml" xmlns:pvml="urn:schemas-microsoft-com:office:powerpoint" xmlns:com="http://schemas.openxmlformats.org/drawingml/2006/compatibility" xmlns:p14="http://schemas.microsoft.com/office/powerpoint/2010/main" xmlns:p15="http://schemas.microsoft.com/office/powerpoint/2012/main" xmlns:ahyp="http://schemas.microsoft.com/office/drawing/2018/hyperlinkcolor" showMasterPhAnim="0" showMasterSp="0">
+  <p:cSld>
+    <p:spTree>
+      <p:nvGrpSpPr>
+        <p:cNvPr id="258" name="Shape 258"/>
+        <p:cNvGrpSpPr/>
+        <p:nvPr/>
+      </p:nvGrpSpPr>
+      <p:grpSpPr>
+        <a:xfrm>
+          <a:off x="0" y="0"/>
+          <a:ext cx="0" cy="0"/>
+          <a:chOff x="0" y="0"/>
+          <a:chExt cx="0" cy="0"/>
+        </a:xfrm>
+      </p:grpSpPr>
+      <p:sp>
+        <p:nvSpPr>
+          <p:cNvPr id="259" name="Google Shape;259;g1098e8b8ed0_2_501:notes"/>
+          <p:cNvSpPr/>
+          <p:nvPr>
+            <p:ph idx="2" type="sldImg"/>
+          </p:nvPr>
+        </p:nvSpPr>
+        <p:spPr>
+          <a:xfrm>
+            <a:off x="381300" y="685800"/>
+            <a:ext cx="6096000" cy="3429000"/>
+          </a:xfrm>
+          <a:custGeom>
+            <a:rect b="b" l="l" r="r" t="t"/>
+            <a:pathLst>
+              <a:path extrusionOk="0" h="120000" w="120000">
+                <a:moveTo>
+                  <a:pt x="0" y="0"/>
+                </a:moveTo>
+                <a:lnTo>
+                  <a:pt x="120000" y="0"/>
+                </a:lnTo>
+                <a:lnTo>
+                  <a:pt x="120000" y="120000"/>
+                </a:lnTo>
+                <a:lnTo>
+                  <a:pt x="0" y="120000"/>
+                </a:lnTo>
+                <a:close/>
+              </a:path>
+            </a:pathLst>
+          </a:custGeom>
+        </p:spPr>
+      </p:sp>
+      <p:sp>
+        <p:nvSpPr>
+          <p:cNvPr id="260" name="Google Shape;260;g1098e8b8ed0_2_501:notes"/>
           <p:cNvSpPr txBox="1"/>
           <p:nvPr>
             <p:ph idx="1" type="body"/>
@@ -7892,7 +7992,7 @@
         </p:nvSpPr>
         <p:spPr>
           <a:xfrm>
-            <a:off x="5011860" y="663825"/>
+            <a:off x="5296585" y="1003650"/>
             <a:ext cx="2118600" cy="354000"/>
           </a:xfrm>
           <a:prstGeom prst="rect">
@@ -7926,9 +8026,143 @@
           </a:p>
         </p:txBody>
       </p:sp>
+      <p:sp>
+        <p:nvSpPr>
+          <p:cNvPr id="186" name="Google Shape;186;p23"/>
+          <p:cNvSpPr txBox="1"/>
+          <p:nvPr/>
+        </p:nvSpPr>
+        <p:spPr>
+          <a:xfrm>
+            <a:off x="404300" y="140625"/>
+            <a:ext cx="5786400" cy="523200"/>
+          </a:xfrm>
+          <a:prstGeom prst="rect">
+            <a:avLst/>
+          </a:prstGeom>
+          <a:noFill/>
+          <a:ln>
+            <a:noFill/>
+          </a:ln>
+        </p:spPr>
+        <p:txBody>
+          <a:bodyPr anchorCtr="0" anchor="t" bIns="91425" lIns="91425" spcFirstLastPara="1" rIns="91425" wrap="square" tIns="91425">
+            <a:spAutoFit/>
+          </a:bodyPr>
+          <a:lstStyle/>
+          <a:p>
+            <a:pPr indent="-368300" lvl="0" marL="457200" rtl="0" algn="l">
+              <a:spcBef>
+                <a:spcPts val="0"/>
+              </a:spcBef>
+              <a:spcAft>
+                <a:spcPts val="0"/>
+              </a:spcAft>
+              <a:buClr>
+                <a:srgbClr val="1C4587"/>
+              </a:buClr>
+              <a:buSzPts val="2200"/>
+              <a:buAutoNum type="arabicPeriod" startAt="2"/>
+            </a:pPr>
+            <a:r>
+              <a:rPr b="1" lang="ko" sz="2200">
+                <a:solidFill>
+                  <a:srgbClr val="1C4587"/>
+                </a:solidFill>
+              </a:rPr>
+              <a:t>프로젝트 진행 방법</a:t>
+            </a:r>
+            <a:endParaRPr b="1" sz="2200">
+              <a:solidFill>
+                <a:srgbClr val="1C4587"/>
+              </a:solidFill>
+            </a:endParaRPr>
+          </a:p>
+        </p:txBody>
+      </p:sp>
+      <p:sp>
+        <p:nvSpPr>
+          <p:cNvPr id="187" name="Google Shape;187;p23"/>
+          <p:cNvSpPr txBox="1"/>
+          <p:nvPr/>
+        </p:nvSpPr>
+        <p:spPr>
+          <a:xfrm>
+            <a:off x="-523525" y="960375"/>
+            <a:ext cx="4417800" cy="446400"/>
+          </a:xfrm>
+          <a:prstGeom prst="rect">
+            <a:avLst/>
+          </a:prstGeom>
+          <a:noFill/>
+          <a:ln>
+            <a:noFill/>
+          </a:ln>
+        </p:spPr>
+        <p:txBody>
+          <a:bodyPr anchorCtr="0" anchor="t" bIns="91425" lIns="91425" spcFirstLastPara="1" rIns="91425" wrap="square" tIns="91425">
+            <a:spAutoFit/>
+          </a:bodyPr>
+          <a:lstStyle/>
+          <a:p>
+            <a:pPr indent="-336550" lvl="2" marL="1371600" rtl="0" algn="l">
+              <a:spcBef>
+                <a:spcPts val="1000"/>
+              </a:spcBef>
+              <a:spcAft>
+                <a:spcPts val="1000"/>
+              </a:spcAft>
+              <a:buClr>
+                <a:srgbClr val="1C4587"/>
+              </a:buClr>
+              <a:buSzPts val="1700"/>
+              <a:buChar char="■"/>
+            </a:pPr>
+            <a:r>
+              <a:rPr b="1" lang="ko" sz="1700">
+                <a:solidFill>
+                  <a:srgbClr val="1C4587"/>
+                </a:solidFill>
+              </a:rPr>
+              <a:t>웹 크롤링 - 수집 데이터</a:t>
+            </a:r>
+            <a:endParaRPr b="1" sz="1700">
+              <a:solidFill>
+                <a:srgbClr val="1C4587"/>
+              </a:solidFill>
+            </a:endParaRPr>
+          </a:p>
+        </p:txBody>
+      </p:sp>
+      <p:cxnSp>
+        <p:nvCxnSpPr>
+          <p:cNvPr id="188" name="Google Shape;188;p23"/>
+          <p:cNvCxnSpPr/>
+          <p:nvPr/>
+        </p:nvCxnSpPr>
+        <p:spPr>
+          <a:xfrm>
+            <a:off x="3545350" y="422275"/>
+            <a:ext cx="5061000" cy="0"/>
+          </a:xfrm>
+          <a:prstGeom prst="straightConnector1">
+            <a:avLst/>
+          </a:prstGeom>
+          <a:noFill/>
+          <a:ln cap="flat" cmpd="sng" w="9525">
+            <a:solidFill>
+              <a:srgbClr val="1C4587"/>
+            </a:solidFill>
+            <a:prstDash val="solid"/>
+            <a:round/>
+            <a:headEnd len="med" w="med" type="none"/>
+            <a:tailEnd len="med" w="med" type="none"/>
+          </a:ln>
+        </p:spPr>
+      </p:cxnSp>
       <p:pic>
         <p:nvPicPr>
-          <p:cNvPr id="186" name="Google Shape;186;p23"/>
+          <p:cNvPr id="189" name="Google Shape;189;p23"/>
           <p:cNvPicPr preferRelativeResize="0"/>
           <p:nvPr/>
         </p:nvPicPr>
@@ -7942,8 +8176,8 @@
         </p:blipFill>
         <p:spPr>
           <a:xfrm>
-            <a:off x="3782099" y="1017825"/>
-            <a:ext cx="1426175" cy="4082150"/>
+            <a:off x="5480099" y="1357650"/>
+            <a:ext cx="1997794" cy="3431925"/>
           </a:xfrm>
           <a:prstGeom prst="rect">
             <a:avLst/>
@@ -7954,196 +8188,6 @@
           </a:ln>
         </p:spPr>
       </p:pic>
-      <p:pic>
-        <p:nvPicPr>
-          <p:cNvPr id="187" name="Google Shape;187;p23"/>
-          <p:cNvPicPr preferRelativeResize="0"/>
-          <p:nvPr/>
-        </p:nvPicPr>
-        <p:blipFill>
-          <a:blip r:embed="rId4">
-            <a:alphaModFix/>
-          </a:blip>
-          <a:stretch>
-            <a:fillRect/>
-          </a:stretch>
-        </p:blipFill>
-        <p:spPr>
-          <a:xfrm>
-            <a:off x="5254975" y="1017825"/>
-            <a:ext cx="1955688" cy="4082150"/>
-          </a:xfrm>
-          <a:prstGeom prst="rect">
-            <a:avLst/>
-          </a:prstGeom>
-          <a:noFill/>
-          <a:ln>
-            <a:noFill/>
-          </a:ln>
-        </p:spPr>
-      </p:pic>
-      <p:pic>
-        <p:nvPicPr>
-          <p:cNvPr id="188" name="Google Shape;188;p23"/>
-          <p:cNvPicPr preferRelativeResize="0"/>
-          <p:nvPr/>
-        </p:nvPicPr>
-        <p:blipFill>
-          <a:blip r:embed="rId5">
-            <a:alphaModFix/>
-          </a:blip>
-          <a:stretch>
-            <a:fillRect/>
-          </a:stretch>
-        </p:blipFill>
-        <p:spPr>
-          <a:xfrm>
-            <a:off x="7257369" y="1017824"/>
-            <a:ext cx="1786480" cy="4082150"/>
-          </a:xfrm>
-          <a:prstGeom prst="rect">
-            <a:avLst/>
-          </a:prstGeom>
-          <a:noFill/>
-          <a:ln>
-            <a:noFill/>
-          </a:ln>
-        </p:spPr>
-      </p:pic>
-      <p:sp>
-        <p:nvSpPr>
-          <p:cNvPr id="189" name="Google Shape;189;p23"/>
-          <p:cNvSpPr txBox="1"/>
-          <p:nvPr/>
-        </p:nvSpPr>
-        <p:spPr>
-          <a:xfrm>
-            <a:off x="404300" y="140625"/>
-            <a:ext cx="5786400" cy="523200"/>
-          </a:xfrm>
-          <a:prstGeom prst="rect">
-            <a:avLst/>
-          </a:prstGeom>
-          <a:noFill/>
-          <a:ln>
-            <a:noFill/>
-          </a:ln>
-        </p:spPr>
-        <p:txBody>
-          <a:bodyPr anchorCtr="0" anchor="t" bIns="91425" lIns="91425" spcFirstLastPara="1" rIns="91425" wrap="square" tIns="91425">
-            <a:spAutoFit/>
-          </a:bodyPr>
-          <a:lstStyle/>
-          <a:p>
-            <a:pPr indent="-368300" lvl="0" marL="457200" rtl="0" algn="l">
-              <a:spcBef>
-                <a:spcPts val="0"/>
-              </a:spcBef>
-              <a:spcAft>
-                <a:spcPts val="0"/>
-              </a:spcAft>
-              <a:buClr>
-                <a:srgbClr val="1C4587"/>
-              </a:buClr>
-              <a:buSzPts val="2200"/>
-              <a:buAutoNum type="arabicPeriod" startAt="2"/>
-            </a:pPr>
-            <a:r>
-              <a:rPr b="1" lang="ko" sz="2200">
-                <a:solidFill>
-                  <a:srgbClr val="1C4587"/>
-                </a:solidFill>
-              </a:rPr>
-              <a:t>프로젝트 진행 방법</a:t>
-            </a:r>
-            <a:endParaRPr b="1" sz="2200">
-              <a:solidFill>
-                <a:srgbClr val="1C4587"/>
-              </a:solidFill>
-            </a:endParaRPr>
-          </a:p>
-        </p:txBody>
-      </p:sp>
-      <p:sp>
-        <p:nvSpPr>
-          <p:cNvPr id="190" name="Google Shape;190;p23"/>
-          <p:cNvSpPr txBox="1"/>
-          <p:nvPr/>
-        </p:nvSpPr>
-        <p:spPr>
-          <a:xfrm>
-            <a:off x="-523525" y="960375"/>
-            <a:ext cx="8358300" cy="446400"/>
-          </a:xfrm>
-          <a:prstGeom prst="rect">
-            <a:avLst/>
-          </a:prstGeom>
-          <a:noFill/>
-          <a:ln>
-            <a:noFill/>
-          </a:ln>
-        </p:spPr>
-        <p:txBody>
-          <a:bodyPr anchorCtr="0" anchor="t" bIns="91425" lIns="91425" spcFirstLastPara="1" rIns="91425" wrap="square" tIns="91425">
-            <a:spAutoFit/>
-          </a:bodyPr>
-          <a:lstStyle/>
-          <a:p>
-            <a:pPr indent="-336550" lvl="2" marL="1371600" rtl="0" algn="l">
-              <a:spcBef>
-                <a:spcPts val="1000"/>
-              </a:spcBef>
-              <a:spcAft>
-                <a:spcPts val="1000"/>
-              </a:spcAft>
-              <a:buClr>
-                <a:srgbClr val="1C4587"/>
-              </a:buClr>
-              <a:buSzPts val="1700"/>
-              <a:buChar char="■"/>
-            </a:pPr>
-            <a:r>
-              <a:rPr b="1" lang="ko" sz="1700">
-                <a:solidFill>
-                  <a:srgbClr val="1C4587"/>
-                </a:solidFill>
-              </a:rPr>
-              <a:t>웹 크롤링 - 수집 데이터</a:t>
-            </a:r>
-            <a:endParaRPr b="1" sz="1700">
-              <a:solidFill>
-                <a:srgbClr val="1C4587"/>
-              </a:solidFill>
-            </a:endParaRPr>
-          </a:p>
-        </p:txBody>
-      </p:sp>
-      <p:cxnSp>
-        <p:nvCxnSpPr>
-          <p:cNvPr id="191" name="Google Shape;191;p23"/>
-          <p:cNvCxnSpPr/>
-          <p:nvPr/>
-        </p:nvCxnSpPr>
-        <p:spPr>
-          <a:xfrm>
-            <a:off x="3545350" y="422275"/>
-            <a:ext cx="5061000" cy="0"/>
-          </a:xfrm>
-          <a:prstGeom prst="straightConnector1">
-            <a:avLst/>
-          </a:prstGeom>
-          <a:noFill/>
-          <a:ln cap="flat" cmpd="sng" w="9525">
-            <a:solidFill>
-              <a:srgbClr val="1C4587"/>
-            </a:solidFill>
-            <a:prstDash val="solid"/>
-            <a:round/>
-            <a:headEnd len="med" w="med" type="none"/>
-            <a:tailEnd len="med" w="med" type="none"/>
-          </a:ln>
-        </p:spPr>
-      </p:cxnSp>
     </p:spTree>
   </p:cSld>
   <p:clrMapOvr>
@@ -8157,7 +8201,7 @@
   <p:cSld>
     <p:spTree>
       <p:nvGrpSpPr>
-        <p:cNvPr id="195" name="Shape 195"/>
+        <p:cNvPr id="193" name="Shape 193"/>
         <p:cNvGrpSpPr/>
         <p:nvPr/>
       </p:nvGrpSpPr>
@@ -8171,7 +8215,7 @@
       </p:grpSpPr>
       <p:sp>
         <p:nvSpPr>
-          <p:cNvPr id="196" name="Google Shape;196;p24"/>
+          <p:cNvPr id="194" name="Google Shape;194;p24"/>
           <p:cNvSpPr txBox="1"/>
           <p:nvPr/>
         </p:nvSpPr>
@@ -8225,7 +8269,7 @@
       </p:sp>
       <p:sp>
         <p:nvSpPr>
-          <p:cNvPr id="197" name="Google Shape;197;p24"/>
+          <p:cNvPr id="195" name="Google Shape;195;p24"/>
           <p:cNvSpPr txBox="1"/>
           <p:nvPr/>
         </p:nvSpPr>
@@ -8279,7 +8323,7 @@
       </p:sp>
       <p:cxnSp>
         <p:nvCxnSpPr>
-          <p:cNvPr id="198" name="Google Shape;198;p24"/>
+          <p:cNvPr id="196" name="Google Shape;196;p24"/>
           <p:cNvCxnSpPr/>
           <p:nvPr/>
         </p:nvCxnSpPr>
@@ -8305,7 +8349,7 @@
       </p:cxnSp>
       <p:sp>
         <p:nvSpPr>
-          <p:cNvPr id="199" name="Google Shape;199;p24"/>
+          <p:cNvPr id="197" name="Google Shape;197;p24"/>
           <p:cNvSpPr txBox="1"/>
           <p:nvPr/>
         </p:nvSpPr>
@@ -8487,7 +8531,7 @@
       </p:sp>
       <p:pic>
         <p:nvPicPr>
-          <p:cNvPr id="200" name="Google Shape;200;p24"/>
+          <p:cNvPr id="198" name="Google Shape;198;p24"/>
           <p:cNvPicPr preferRelativeResize="0"/>
           <p:nvPr/>
         </p:nvPicPr>
@@ -8515,7 +8559,7 @@
       </p:pic>
       <p:pic>
         <p:nvPicPr>
-          <p:cNvPr id="201" name="Google Shape;201;p24"/>
+          <p:cNvPr id="199" name="Google Shape;199;p24"/>
           <p:cNvPicPr preferRelativeResize="0"/>
           <p:nvPr/>
         </p:nvPicPr>
@@ -8543,7 +8587,7 @@
       </p:pic>
       <p:sp>
         <p:nvSpPr>
-          <p:cNvPr id="202" name="Google Shape;202;p24"/>
+          <p:cNvPr id="200" name="Google Shape;200;p24"/>
           <p:cNvSpPr/>
           <p:nvPr/>
         </p:nvSpPr>
@@ -8590,7 +8634,7 @@
       </p:sp>
       <p:sp>
         <p:nvSpPr>
-          <p:cNvPr id="203" name="Google Shape;203;p24"/>
+          <p:cNvPr id="201" name="Google Shape;201;p24"/>
           <p:cNvSpPr/>
           <p:nvPr/>
         </p:nvSpPr>
@@ -8637,7 +8681,7 @@
       </p:sp>
       <p:sp>
         <p:nvSpPr>
-          <p:cNvPr id="204" name="Google Shape;204;p24"/>
+          <p:cNvPr id="202" name="Google Shape;202;p24"/>
           <p:cNvSpPr/>
           <p:nvPr/>
         </p:nvSpPr>
@@ -8684,7 +8728,7 @@
       </p:sp>
       <p:sp>
         <p:nvSpPr>
-          <p:cNvPr id="205" name="Google Shape;205;p24"/>
+          <p:cNvPr id="203" name="Google Shape;203;p24"/>
           <p:cNvSpPr/>
           <p:nvPr/>
         </p:nvSpPr>
@@ -8742,7 +8786,7 @@
   <p:cSld>
     <p:spTree>
       <p:nvGrpSpPr>
-        <p:cNvPr id="209" name="Shape 209"/>
+        <p:cNvPr id="207" name="Shape 207"/>
         <p:cNvGrpSpPr/>
         <p:nvPr/>
       </p:nvGrpSpPr>
@@ -8756,7 +8800,7 @@
       </p:grpSpPr>
       <p:sp>
         <p:nvSpPr>
-          <p:cNvPr id="210" name="Google Shape;210;p25"/>
+          <p:cNvPr id="208" name="Google Shape;208;p25"/>
           <p:cNvSpPr txBox="1"/>
           <p:nvPr/>
         </p:nvSpPr>
@@ -8810,7 +8854,7 @@
       </p:sp>
       <p:sp>
         <p:nvSpPr>
-          <p:cNvPr id="211" name="Google Shape;211;p25"/>
+          <p:cNvPr id="209" name="Google Shape;209;p25"/>
           <p:cNvSpPr txBox="1"/>
           <p:nvPr/>
         </p:nvSpPr>
@@ -8870,7 +8914,7 @@
       </p:sp>
       <p:pic>
         <p:nvPicPr>
-          <p:cNvPr id="212" name="Google Shape;212;p25"/>
+          <p:cNvPr id="210" name="Google Shape;210;p25"/>
           <p:cNvPicPr preferRelativeResize="0"/>
           <p:nvPr/>
         </p:nvPicPr>
@@ -8898,7 +8942,7 @@
       </p:pic>
       <p:sp>
         <p:nvSpPr>
-          <p:cNvPr id="213" name="Google Shape;213;p25"/>
+          <p:cNvPr id="211" name="Google Shape;211;p25"/>
           <p:cNvSpPr txBox="1"/>
           <p:nvPr/>
         </p:nvSpPr>
@@ -8952,7 +8996,7 @@
       </p:sp>
       <p:cxnSp>
         <p:nvCxnSpPr>
-          <p:cNvPr id="214" name="Google Shape;214;p25"/>
+          <p:cNvPr id="212" name="Google Shape;212;p25"/>
           <p:cNvCxnSpPr/>
           <p:nvPr/>
         </p:nvCxnSpPr>
@@ -8989,7 +9033,7 @@
   <p:cSld>
     <p:spTree>
       <p:nvGrpSpPr>
-        <p:cNvPr id="218" name="Shape 218"/>
+        <p:cNvPr id="216" name="Shape 216"/>
         <p:cNvGrpSpPr/>
         <p:nvPr/>
       </p:nvGrpSpPr>
@@ -9003,7 +9047,7 @@
       </p:grpSpPr>
       <p:sp>
         <p:nvSpPr>
-          <p:cNvPr id="219" name="Google Shape;219;p26"/>
+          <p:cNvPr id="217" name="Google Shape;217;p26"/>
           <p:cNvSpPr txBox="1"/>
           <p:nvPr/>
         </p:nvSpPr>
@@ -9057,7 +9101,7 @@
       </p:sp>
       <p:sp>
         <p:nvSpPr>
-          <p:cNvPr id="220" name="Google Shape;220;p26"/>
+          <p:cNvPr id="218" name="Google Shape;218;p26"/>
           <p:cNvSpPr txBox="1"/>
           <p:nvPr/>
         </p:nvSpPr>
@@ -9117,7 +9161,7 @@
       </p:sp>
       <p:pic>
         <p:nvPicPr>
-          <p:cNvPr id="221" name="Google Shape;221;p26"/>
+          <p:cNvPr id="219" name="Google Shape;219;p26"/>
           <p:cNvPicPr preferRelativeResize="0"/>
           <p:nvPr/>
         </p:nvPicPr>
@@ -9145,7 +9189,7 @@
       </p:pic>
       <p:sp>
         <p:nvSpPr>
-          <p:cNvPr id="222" name="Google Shape;222;p26"/>
+          <p:cNvPr id="220" name="Google Shape;220;p26"/>
           <p:cNvSpPr txBox="1"/>
           <p:nvPr/>
         </p:nvSpPr>
@@ -9199,7 +9243,7 @@
       </p:sp>
       <p:cxnSp>
         <p:nvCxnSpPr>
-          <p:cNvPr id="223" name="Google Shape;223;p26"/>
+          <p:cNvPr id="221" name="Google Shape;221;p26"/>
           <p:cNvCxnSpPr/>
           <p:nvPr/>
         </p:nvCxnSpPr>
@@ -9236,7 +9280,7 @@
   <p:cSld>
     <p:spTree>
       <p:nvGrpSpPr>
-        <p:cNvPr id="227" name="Shape 227"/>
+        <p:cNvPr id="225" name="Shape 225"/>
         <p:cNvGrpSpPr/>
         <p:nvPr/>
       </p:nvGrpSpPr>
@@ -9250,7 +9294,7 @@
       </p:grpSpPr>
       <p:sp>
         <p:nvSpPr>
-          <p:cNvPr id="228" name="Google Shape;228;p27"/>
+          <p:cNvPr id="226" name="Google Shape;226;p27"/>
           <p:cNvSpPr txBox="1"/>
           <p:nvPr/>
         </p:nvSpPr>
@@ -9304,7 +9348,7 @@
       </p:sp>
       <p:sp>
         <p:nvSpPr>
-          <p:cNvPr id="229" name="Google Shape;229;p27"/>
+          <p:cNvPr id="227" name="Google Shape;227;p27"/>
           <p:cNvSpPr txBox="1"/>
           <p:nvPr/>
         </p:nvSpPr>
@@ -9364,7 +9408,7 @@
       </p:sp>
       <p:pic>
         <p:nvPicPr>
-          <p:cNvPr id="230" name="Google Shape;230;p27"/>
+          <p:cNvPr id="228" name="Google Shape;228;p27"/>
           <p:cNvPicPr preferRelativeResize="0"/>
           <p:nvPr/>
         </p:nvPicPr>
@@ -9392,7 +9436,7 @@
       </p:pic>
       <p:sp>
         <p:nvSpPr>
-          <p:cNvPr id="231" name="Google Shape;231;p27"/>
+          <p:cNvPr id="229" name="Google Shape;229;p27"/>
           <p:cNvSpPr txBox="1"/>
           <p:nvPr/>
         </p:nvSpPr>
@@ -9446,7 +9490,7 @@
       </p:sp>
       <p:cxnSp>
         <p:nvCxnSpPr>
-          <p:cNvPr id="232" name="Google Shape;232;p27"/>
+          <p:cNvPr id="230" name="Google Shape;230;p27"/>
           <p:cNvCxnSpPr/>
           <p:nvPr/>
         </p:nvCxnSpPr>
@@ -9483,7 +9527,7 @@
   <p:cSld>
     <p:spTree>
       <p:nvGrpSpPr>
-        <p:cNvPr id="236" name="Shape 236"/>
+        <p:cNvPr id="234" name="Shape 234"/>
         <p:cNvGrpSpPr/>
         <p:nvPr/>
       </p:nvGrpSpPr>
@@ -9497,7 +9541,7 @@
       </p:grpSpPr>
       <p:sp>
         <p:nvSpPr>
-          <p:cNvPr id="237" name="Google Shape;237;p28"/>
+          <p:cNvPr id="235" name="Google Shape;235;p28"/>
           <p:cNvSpPr txBox="1"/>
           <p:nvPr/>
         </p:nvSpPr>
@@ -9551,7 +9595,7 @@
       </p:sp>
       <p:sp>
         <p:nvSpPr>
-          <p:cNvPr id="238" name="Google Shape;238;p28"/>
+          <p:cNvPr id="236" name="Google Shape;236;p28"/>
           <p:cNvSpPr txBox="1"/>
           <p:nvPr/>
         </p:nvSpPr>
@@ -9613,7 +9657,7 @@
       </p:sp>
       <p:cxnSp>
         <p:nvCxnSpPr>
-          <p:cNvPr id="239" name="Google Shape;239;p28"/>
+          <p:cNvPr id="237" name="Google Shape;237;p28"/>
           <p:cNvCxnSpPr/>
           <p:nvPr/>
         </p:nvCxnSpPr>
@@ -9639,7 +9683,7 @@
       </p:cxnSp>
       <p:sp>
         <p:nvSpPr>
-          <p:cNvPr id="240" name="Google Shape;240;p28"/>
+          <p:cNvPr id="238" name="Google Shape;238;p28"/>
           <p:cNvSpPr txBox="1"/>
           <p:nvPr/>
         </p:nvSpPr>
@@ -9733,7 +9777,7 @@
       </p:sp>
       <p:pic>
         <p:nvPicPr>
-          <p:cNvPr id="241" name="Google Shape;241;p28"/>
+          <p:cNvPr id="239" name="Google Shape;239;p28"/>
           <p:cNvPicPr preferRelativeResize="0"/>
           <p:nvPr/>
         </p:nvPicPr>
@@ -9772,7 +9816,7 @@
   <p:cSld>
     <p:spTree>
       <p:nvGrpSpPr>
-        <p:cNvPr id="245" name="Shape 245"/>
+        <p:cNvPr id="243" name="Shape 243"/>
         <p:cNvGrpSpPr/>
         <p:nvPr/>
       </p:nvGrpSpPr>
@@ -9786,7 +9830,7 @@
       </p:grpSpPr>
       <p:sp>
         <p:nvSpPr>
-          <p:cNvPr id="246" name="Google Shape;246;p29"/>
+          <p:cNvPr id="244" name="Google Shape;244;p29"/>
           <p:cNvSpPr txBox="1"/>
           <p:nvPr/>
         </p:nvSpPr>
@@ -9840,7 +9884,7 @@
       </p:sp>
       <p:cxnSp>
         <p:nvCxnSpPr>
-          <p:cNvPr id="247" name="Google Shape;247;p29"/>
+          <p:cNvPr id="245" name="Google Shape;245;p29"/>
           <p:cNvCxnSpPr/>
           <p:nvPr/>
         </p:nvCxnSpPr>
@@ -9866,7 +9910,7 @@
       </p:cxnSp>
       <p:sp>
         <p:nvSpPr>
-          <p:cNvPr id="248" name="Google Shape;248;p29"/>
+          <p:cNvPr id="246" name="Google Shape;246;p29"/>
           <p:cNvSpPr txBox="1"/>
           <p:nvPr/>
         </p:nvSpPr>
@@ -9920,7 +9964,7 @@
       </p:sp>
       <p:pic>
         <p:nvPicPr>
-          <p:cNvPr id="249" name="Google Shape;249;p29"/>
+          <p:cNvPr id="247" name="Google Shape;247;p29"/>
           <p:cNvPicPr preferRelativeResize="0"/>
           <p:nvPr/>
         </p:nvPicPr>
@@ -9947,7 +9991,7 @@
       </p:pic>
       <p:pic>
         <p:nvPicPr>
-          <p:cNvPr id="250" name="Google Shape;250;p29"/>
+          <p:cNvPr id="248" name="Google Shape;248;p29"/>
           <p:cNvPicPr preferRelativeResize="0"/>
           <p:nvPr/>
         </p:nvPicPr>
@@ -9974,7 +10018,7 @@
       </p:pic>
       <p:pic>
         <p:nvPicPr>
-          <p:cNvPr id="251" name="Google Shape;251;p29"/>
+          <p:cNvPr id="249" name="Google Shape;249;p29"/>
           <p:cNvPicPr preferRelativeResize="0"/>
           <p:nvPr/>
         </p:nvPicPr>
@@ -10001,7 +10045,7 @@
       </p:pic>
       <p:sp>
         <p:nvSpPr>
-          <p:cNvPr id="252" name="Google Shape;252;p29"/>
+          <p:cNvPr id="250" name="Google Shape;250;p29"/>
           <p:cNvSpPr txBox="1"/>
           <p:nvPr/>
         </p:nvSpPr>
@@ -10106,7 +10150,7 @@
   <p:cSld>
     <p:spTree>
       <p:nvGrpSpPr>
-        <p:cNvPr id="256" name="Shape 256"/>
+        <p:cNvPr id="254" name="Shape 254"/>
         <p:cNvGrpSpPr/>
         <p:nvPr/>
       </p:nvGrpSpPr>
@@ -10120,7 +10164,7 @@
       </p:grpSpPr>
       <p:sp>
         <p:nvSpPr>
-          <p:cNvPr id="257" name="Google Shape;257;p30"/>
+          <p:cNvPr id="255" name="Google Shape;255;p30"/>
           <p:cNvSpPr txBox="1"/>
           <p:nvPr/>
         </p:nvSpPr>
@@ -10309,7 +10353,7 @@
                   <a:schemeClr val="dk1"/>
                 </a:solidFill>
               </a:rPr>
-              <a:t>CB의 경우, 소비자의 취향이 변할 경우 새로운 책을 추천해주지 못함. </a:t>
+              <a:t>CB의 경우, 소비자의 취향이 변할 경우 새로운 책을 추천해주지 못함.</a:t>
             </a:r>
             <a:br>
               <a:rPr lang="ko" sz="1300">
@@ -10398,7 +10442,7 @@
       </p:sp>
       <p:sp>
         <p:nvSpPr>
-          <p:cNvPr id="258" name="Google Shape;258;p30"/>
+          <p:cNvPr id="256" name="Google Shape;256;p30"/>
           <p:cNvSpPr txBox="1"/>
           <p:nvPr/>
         </p:nvSpPr>
@@ -10452,7 +10496,7 @@
       </p:sp>
       <p:cxnSp>
         <p:nvCxnSpPr>
-          <p:cNvPr id="259" name="Google Shape;259;p30"/>
+          <p:cNvPr id="257" name="Google Shape;257;p30"/>
           <p:cNvCxnSpPr/>
           <p:nvPr/>
         </p:nvCxnSpPr>
@@ -10476,6 +10520,310 @@
           </a:ln>
         </p:spPr>
       </p:cxnSp>
+    </p:spTree>
+  </p:cSld>
+  <p:clrMapOvr>
+    <a:masterClrMapping/>
+  </p:clrMapOvr>
+</p:sld>
+</file>
+
+<file path=ppt/slides/slide19.xml><?xml version="1.0" encoding="utf-8"?>
+<p:sld xmlns:a="http://schemas.openxmlformats.org/drawingml/2006/main" xmlns:r="http://schemas.openxmlformats.org/officeDocument/2006/relationships" xmlns:mc="http://schemas.openxmlformats.org/markup-compatibility/2006" xmlns:mv="urn:schemas-microsoft-com:mac:vml" xmlns:p="http://schemas.openxmlformats.org/presentationml/2006/main" xmlns:c="http://schemas.openxmlformats.org/drawingml/2006/chart" xmlns:dgm="http://schemas.openxmlformats.org/drawingml/2006/diagram" xmlns:o="urn:schemas-microsoft-com:office:office" xmlns:v="urn:schemas-microsoft-com:vml" xmlns:pvml="urn:schemas-microsoft-com:office:powerpoint" xmlns:com="http://schemas.openxmlformats.org/drawingml/2006/compatibility" xmlns:p14="http://schemas.microsoft.com/office/powerpoint/2010/main" xmlns:p15="http://schemas.microsoft.com/office/powerpoint/2012/main" xmlns:ahyp="http://schemas.microsoft.com/office/drawing/2018/hyperlinkcolor">
+  <p:cSld>
+    <p:spTree>
+      <p:nvGrpSpPr>
+        <p:cNvPr id="261" name="Shape 261"/>
+        <p:cNvGrpSpPr/>
+        <p:nvPr/>
+      </p:nvGrpSpPr>
+      <p:grpSpPr>
+        <a:xfrm>
+          <a:off x="0" y="0"/>
+          <a:ext cx="0" cy="0"/>
+          <a:chOff x="0" y="0"/>
+          <a:chExt cx="0" cy="0"/>
+        </a:xfrm>
+      </p:grpSpPr>
+      <p:sp>
+        <p:nvSpPr>
+          <p:cNvPr id="262" name="Google Shape;262;p31"/>
+          <p:cNvSpPr txBox="1"/>
+          <p:nvPr/>
+        </p:nvSpPr>
+        <p:spPr>
+          <a:xfrm>
+            <a:off x="404300" y="140625"/>
+            <a:ext cx="2360400" cy="523200"/>
+          </a:xfrm>
+          <a:prstGeom prst="rect">
+            <a:avLst/>
+          </a:prstGeom>
+          <a:noFill/>
+          <a:ln>
+            <a:noFill/>
+          </a:ln>
+        </p:spPr>
+        <p:txBody>
+          <a:bodyPr anchorCtr="0" anchor="t" bIns="91425" lIns="91425" spcFirstLastPara="1" rIns="91425" wrap="square" tIns="91425">
+            <a:spAutoFit/>
+          </a:bodyPr>
+          <a:lstStyle/>
+          <a:p>
+            <a:pPr indent="-368300" lvl="0" marL="457200" rtl="0" algn="l">
+              <a:spcBef>
+                <a:spcPts val="0"/>
+              </a:spcBef>
+              <a:spcAft>
+                <a:spcPts val="0"/>
+              </a:spcAft>
+              <a:buClr>
+                <a:srgbClr val="1C4587"/>
+              </a:buClr>
+              <a:buSzPts val="2200"/>
+              <a:buAutoNum type="arabicPeriod" startAt="4"/>
+            </a:pPr>
+            <a:r>
+              <a:rPr b="1" lang="ko" sz="2200">
+                <a:solidFill>
+                  <a:srgbClr val="1C4587"/>
+                </a:solidFill>
+              </a:rPr>
+              <a:t>참고 자료</a:t>
+            </a:r>
+            <a:endParaRPr b="1" sz="2200">
+              <a:solidFill>
+                <a:srgbClr val="1C4587"/>
+              </a:solidFill>
+            </a:endParaRPr>
+          </a:p>
+        </p:txBody>
+      </p:sp>
+      <p:cxnSp>
+        <p:nvCxnSpPr>
+          <p:cNvPr id="263" name="Google Shape;263;p31"/>
+          <p:cNvCxnSpPr/>
+          <p:nvPr/>
+        </p:nvCxnSpPr>
+        <p:spPr>
+          <a:xfrm>
+            <a:off x="2580925" y="413325"/>
+            <a:ext cx="6025200" cy="9000"/>
+          </a:xfrm>
+          <a:prstGeom prst="straightConnector1">
+            <a:avLst/>
+          </a:prstGeom>
+          <a:noFill/>
+          <a:ln cap="flat" cmpd="sng" w="9525">
+            <a:solidFill>
+              <a:srgbClr val="1C4587"/>
+            </a:solidFill>
+            <a:prstDash val="solid"/>
+            <a:round/>
+            <a:headEnd len="med" w="med" type="none"/>
+            <a:tailEnd len="med" w="med" type="none"/>
+          </a:ln>
+        </p:spPr>
+      </p:cxnSp>
+      <p:sp>
+        <p:nvSpPr>
+          <p:cNvPr id="264" name="Google Shape;264;p31"/>
+          <p:cNvSpPr txBox="1"/>
+          <p:nvPr/>
+        </p:nvSpPr>
+        <p:spPr>
+          <a:xfrm>
+            <a:off x="532725" y="946025"/>
+            <a:ext cx="8073300" cy="1539300"/>
+          </a:xfrm>
+          <a:prstGeom prst="rect">
+            <a:avLst/>
+          </a:prstGeom>
+          <a:noFill/>
+          <a:ln>
+            <a:noFill/>
+          </a:ln>
+        </p:spPr>
+        <p:txBody>
+          <a:bodyPr anchorCtr="0" anchor="t" bIns="91425" lIns="91425" spcFirstLastPara="1" rIns="91425" wrap="square" tIns="91425">
+            <a:spAutoFit/>
+          </a:bodyPr>
+          <a:lstStyle/>
+          <a:p>
+            <a:pPr indent="0" lvl="0" marL="0" rtl="0" algn="l">
+              <a:spcBef>
+                <a:spcPts val="0"/>
+              </a:spcBef>
+              <a:spcAft>
+                <a:spcPts val="0"/>
+              </a:spcAft>
+              <a:buNone/>
+            </a:pPr>
+            <a:r>
+              <a:rPr lang="ko" sz="1100" u="sng">
+                <a:solidFill>
+                  <a:schemeClr val="hlink"/>
+                </a:solidFill>
+                <a:hlinkClick r:id="rId3"/>
+              </a:rPr>
+              <a:t>https://blog.naver.com/PostView.naver?blogId=myincizor&amp;logNo=221829075434&amp;parentCategoryNo=&amp;categoryNo=6&amp;viewDate=&amp;isShowPopularPosts=false&amp;from=postView</a:t>
+            </a:r>
+            <a:endParaRPr sz="1100">
+              <a:solidFill>
+                <a:schemeClr val="dk1"/>
+              </a:solidFill>
+            </a:endParaRPr>
+          </a:p>
+          <a:p>
+            <a:pPr indent="0" lvl="0" marL="0" rtl="0" algn="l">
+              <a:spcBef>
+                <a:spcPts val="0"/>
+              </a:spcBef>
+              <a:spcAft>
+                <a:spcPts val="0"/>
+              </a:spcAft>
+              <a:buNone/>
+            </a:pPr>
+            <a:r>
+              <a:t/>
+            </a:r>
+            <a:endParaRPr sz="1100">
+              <a:solidFill>
+                <a:schemeClr val="dk1"/>
+              </a:solidFill>
+            </a:endParaRPr>
+          </a:p>
+          <a:p>
+            <a:pPr indent="0" lvl="0" marL="0" rtl="0" algn="l">
+              <a:spcBef>
+                <a:spcPts val="0"/>
+              </a:spcBef>
+              <a:spcAft>
+                <a:spcPts val="0"/>
+              </a:spcAft>
+              <a:buNone/>
+            </a:pPr>
+            <a:r>
+              <a:rPr lang="ko" sz="1100" u="sng">
+                <a:solidFill>
+                  <a:schemeClr val="hlink"/>
+                </a:solidFill>
+                <a:hlinkClick r:id="rId4"/>
+              </a:rPr>
+              <a:t>https://pearlluck.tistory.com/668</a:t>
+            </a:r>
+            <a:endParaRPr sz="1100">
+              <a:solidFill>
+                <a:schemeClr val="dk1"/>
+              </a:solidFill>
+            </a:endParaRPr>
+          </a:p>
+          <a:p>
+            <a:pPr indent="0" lvl="0" marL="0" rtl="0" algn="l">
+              <a:spcBef>
+                <a:spcPts val="0"/>
+              </a:spcBef>
+              <a:spcAft>
+                <a:spcPts val="0"/>
+              </a:spcAft>
+              <a:buNone/>
+            </a:pPr>
+            <a:r>
+              <a:t/>
+            </a:r>
+            <a:endParaRPr sz="1100">
+              <a:solidFill>
+                <a:schemeClr val="dk1"/>
+              </a:solidFill>
+            </a:endParaRPr>
+          </a:p>
+          <a:p>
+            <a:pPr indent="0" lvl="0" marL="0" rtl="0" algn="l">
+              <a:spcBef>
+                <a:spcPts val="0"/>
+              </a:spcBef>
+              <a:spcAft>
+                <a:spcPts val="0"/>
+              </a:spcAft>
+              <a:buNone/>
+            </a:pPr>
+            <a:r>
+              <a:rPr lang="ko" sz="1100" u="sng">
+                <a:solidFill>
+                  <a:schemeClr val="hlink"/>
+                </a:solidFill>
+                <a:hlinkClick r:id="rId5"/>
+              </a:rPr>
+              <a:t>https://velog.io/@suminwooo/%EC%B6%94%EC%B2%9C-%EC%8B%9C%EC%8A%A4%ED%85%9C3</a:t>
+            </a:r>
+            <a:r>
+              <a:rPr lang="ko" sz="1100">
+                <a:solidFill>
+                  <a:schemeClr val="dk1"/>
+                </a:solidFill>
+              </a:rPr>
+              <a:t> </a:t>
+            </a:r>
+            <a:endParaRPr sz="1100">
+              <a:solidFill>
+                <a:schemeClr val="dk1"/>
+              </a:solidFill>
+            </a:endParaRPr>
+          </a:p>
+          <a:p>
+            <a:pPr indent="0" lvl="0" marL="0" rtl="0" algn="l">
+              <a:spcBef>
+                <a:spcPts val="0"/>
+              </a:spcBef>
+              <a:spcAft>
+                <a:spcPts val="0"/>
+              </a:spcAft>
+              <a:buNone/>
+            </a:pPr>
+            <a:r>
+              <a:t/>
+            </a:r>
+            <a:endParaRPr sz="1100">
+              <a:solidFill>
+                <a:schemeClr val="dk1"/>
+              </a:solidFill>
+            </a:endParaRPr>
+          </a:p>
+          <a:p>
+            <a:pPr indent="0" lvl="0" marL="0" rtl="0" algn="l">
+              <a:spcBef>
+                <a:spcPts val="0"/>
+              </a:spcBef>
+              <a:spcAft>
+                <a:spcPts val="0"/>
+              </a:spcAft>
+              <a:buNone/>
+            </a:pPr>
+            <a:r>
+              <a:rPr lang="ko" sz="1100" u="sng">
+                <a:solidFill>
+                  <a:schemeClr val="hlink"/>
+                </a:solidFill>
+                <a:hlinkClick r:id="rId6"/>
+              </a:rPr>
+              <a:t>https://www.kaggle.com/gspmoreira/recommender-systems-in-python-101</a:t>
+            </a:r>
+            <a:r>
+              <a:rPr lang="ko" sz="1100">
+                <a:solidFill>
+                  <a:schemeClr val="dk1"/>
+                </a:solidFill>
+              </a:rPr>
+              <a:t> </a:t>
+            </a:r>
+            <a:endParaRPr sz="1100">
+              <a:solidFill>
+                <a:schemeClr val="dk1"/>
+              </a:solidFill>
+            </a:endParaRPr>
+          </a:p>
+        </p:txBody>
+      </p:sp>
     </p:spTree>
   </p:cSld>
   <p:clrMapOvr>
@@ -14435,7 +14783,7 @@
             <a:tbl>
               <a:tblPr>
                 <a:noFill/>
-                <a:tableStyleId>{E48D0EEE-E162-40FC-A8A4-93E4A8812E83}</a:tableStyleId>
+                <a:tableStyleId>{DB5D7DBD-4548-4A54-9A4E-E9B9BEC9A418}</a:tableStyleId>
               </a:tblPr>
               <a:tblGrid>
                 <a:gridCol w="1335200"/>
@@ -16017,6 +16365,285 @@
 </file>
 
 <file path=ppt/theme/theme1.xml><?xml version="1.0" encoding="utf-8"?>
+<a:theme xmlns:a="http://schemas.openxmlformats.org/drawingml/2006/main" xmlns:r="http://schemas.openxmlformats.org/officeDocument/2006/relationships">
+  <a:themeElements>
+    <a:clrScheme name="Default">
+      <a:dk1>
+        <a:srgbClr val="000000"/>
+      </a:dk1>
+      <a:lt1>
+        <a:srgbClr val="FFFFFF"/>
+      </a:lt1>
+      <a:dk2>
+        <a:srgbClr val="158158"/>
+      </a:dk2>
+      <a:lt2>
+        <a:srgbClr val="F3F3F3"/>
+      </a:lt2>
+      <a:accent1>
+        <a:srgbClr val="058DC7"/>
+      </a:accent1>
+      <a:accent2>
+        <a:srgbClr val="50B432"/>
+      </a:accent2>
+      <a:accent3>
+        <a:srgbClr val="ED561B"/>
+      </a:accent3>
+      <a:accent4>
+        <a:srgbClr val="EDEF00"/>
+      </a:accent4>
+      <a:accent5>
+        <a:srgbClr val="24CBE5"/>
+      </a:accent5>
+      <a:accent6>
+        <a:srgbClr val="64E572"/>
+      </a:accent6>
+      <a:hlink>
+        <a:srgbClr val="2200CC"/>
+      </a:hlink>
+      <a:folHlink>
+        <a:srgbClr val="551A8B"/>
+      </a:folHlink>
+    </a:clrScheme>
+    <a:fontScheme name="Office">
+      <a:majorFont>
+        <a:latin typeface="Arial"/>
+        <a:ea typeface=""/>
+        <a:cs typeface=""/>
+        <a:font script="Jpan" typeface="ＭＳ Ｐゴシック"/>
+        <a:font script="Hang" typeface="맑은 고딕"/>
+        <a:font script="Hans" typeface="宋体"/>
+        <a:font script="Hant" typeface="新細明體"/>
+        <a:font script="Arab" typeface="Times New Roman"/>
+        <a:font script="Hebr" typeface="Times New Roman"/>
+        <a:font script="Thai" typeface="Angsana New"/>
+        <a:font script="Ethi" typeface="Nyala"/>
+        <a:font script="Beng" typeface="Vrinda"/>
+        <a:font script="Gujr" typeface="Shruti"/>
+        <a:font script="Khmr" typeface="MoolBoran"/>
+        <a:font script="Knda" typeface="Tunga"/>
+        <a:font script="Guru" typeface="Raavi"/>
+        <a:font script="Cans" typeface="Euphemia"/>
+        <a:font script="Cher" typeface="Plantagenet Cherokee"/>
+        <a:font script="Yiii" typeface="Microsoft Yi Baiti"/>
+        <a:font script="Tibt" typeface="Microsoft Himalaya"/>
+        <a:font script="Thaa" typeface="MV Boli"/>
+        <a:font script="Deva" typeface="Mangal"/>
+        <a:font script="Telu" typeface="Gautami"/>
+        <a:font script="Taml" typeface="Latha"/>
+        <a:font script="Syrc" typeface="Estrangelo Edessa"/>
+        <a:font script="Orya" typeface="Kalinga"/>
+        <a:font script="Mlym" typeface="Kartika"/>
+        <a:font script="Laoo" typeface="DokChampa"/>
+        <a:font script="Sinh" typeface="Iskoola Pota"/>
+        <a:font script="Mong" typeface="Mongolian Baiti"/>
+        <a:font script="Viet" typeface="Times New Roman"/>
+        <a:font script="Uigh" typeface="Microsoft Uighur"/>
+        <a:font script="Geor" typeface="Sylfaen"/>
+      </a:majorFont>
+      <a:minorFont>
+        <a:latin typeface="Arial"/>
+        <a:ea typeface=""/>
+        <a:cs typeface=""/>
+        <a:font script="Jpan" typeface="ＭＳ Ｐゴシック"/>
+        <a:font script="Hang" typeface="맑은 고딕"/>
+        <a:font script="Hans" typeface="宋体"/>
+        <a:font script="Hant" typeface="新細明體"/>
+        <a:font script="Arab" typeface="Arial"/>
+        <a:font script="Hebr" typeface="Arial"/>
+        <a:font script="Thai" typeface="Cordia New"/>
+        <a:font script="Ethi" typeface="Nyala"/>
+        <a:font script="Beng" typeface="Vrinda"/>
+        <a:font script="Gujr" typeface="Shruti"/>
+        <a:font script="Khmr" typeface="DaunPenh"/>
+        <a:font script="Knda" typeface="Tunga"/>
+        <a:font script="Guru" typeface="Raavi"/>
+        <a:font script="Cans" typeface="Euphemia"/>
+        <a:font script="Cher" typeface="Plantagenet Cherokee"/>
+        <a:font script="Yiii" typeface="Microsoft Yi Baiti"/>
+        <a:font script="Tibt" typeface="Microsoft Himalaya"/>
+        <a:font script="Thaa" typeface="MV Boli"/>
+        <a:font script="Deva" typeface="Mangal"/>
+        <a:font script="Telu" typeface="Gautami"/>
+        <a:font script="Taml" typeface="Latha"/>
+        <a:font script="Syrc" typeface="Estrangelo Edessa"/>
+        <a:font script="Orya" typeface="Kalinga"/>
+        <a:font script="Mlym" typeface="Kartika"/>
+        <a:font script="Laoo" typeface="DokChampa"/>
+        <a:font script="Sinh" typeface="Iskoola Pota"/>
+        <a:font script="Mong" typeface="Mongolian Baiti"/>
+        <a:font script="Viet" typeface="Arial"/>
+        <a:font script="Uigh" typeface="Microsoft Uighur"/>
+        <a:font script="Geor" typeface="Sylfaen"/>
+      </a:minorFont>
+    </a:fontScheme>
+    <a:fmtScheme name="Office">
+      <a:fillStyleLst>
+        <a:solidFill>
+          <a:schemeClr val="phClr"/>
+        </a:solidFill>
+        <a:gradFill rotWithShape="1">
+          <a:gsLst>
+            <a:gs pos="0">
+              <a:schemeClr val="phClr">
+                <a:tint val="50000"/>
+                <a:satMod val="300000"/>
+              </a:schemeClr>
+            </a:gs>
+            <a:gs pos="35000">
+              <a:schemeClr val="phClr">
+                <a:tint val="37000"/>
+                <a:satMod val="300000"/>
+              </a:schemeClr>
+            </a:gs>
+            <a:gs pos="100000">
+              <a:schemeClr val="phClr">
+                <a:tint val="15000"/>
+                <a:satMod val="350000"/>
+              </a:schemeClr>
+            </a:gs>
+          </a:gsLst>
+          <a:lin ang="16200000" scaled="1"/>
+        </a:gradFill>
+        <a:gradFill rotWithShape="1">
+          <a:gsLst>
+            <a:gs pos="0">
+              <a:schemeClr val="phClr">
+                <a:tint val="100000"/>
+                <a:shade val="100000"/>
+                <a:satMod val="130000"/>
+              </a:schemeClr>
+            </a:gs>
+            <a:gs pos="100000">
+              <a:schemeClr val="phClr">
+                <a:tint val="50000"/>
+                <a:shade val="100000"/>
+                <a:satMod val="350000"/>
+              </a:schemeClr>
+            </a:gs>
+          </a:gsLst>
+          <a:lin ang="16200000" scaled="0"/>
+        </a:gradFill>
+      </a:fillStyleLst>
+      <a:lnStyleLst>
+        <a:ln w="9525" cap="flat" cmpd="sng" algn="ctr">
+          <a:solidFill>
+            <a:schemeClr val="phClr">
+              <a:shade val="95000"/>
+              <a:satMod val="105000"/>
+            </a:schemeClr>
+          </a:solidFill>
+          <a:prstDash val="solid"/>
+        </a:ln>
+        <a:ln w="25400" cap="flat" cmpd="sng" algn="ctr">
+          <a:solidFill>
+            <a:schemeClr val="phClr"/>
+          </a:solidFill>
+          <a:prstDash val="solid"/>
+        </a:ln>
+        <a:ln w="38100" cap="flat" cmpd="sng" algn="ctr">
+          <a:solidFill>
+            <a:schemeClr val="phClr"/>
+          </a:solidFill>
+          <a:prstDash val="solid"/>
+        </a:ln>
+      </a:lnStyleLst>
+      <a:effectStyleLst>
+        <a:effectStyle>
+          <a:effectLst>
+            <a:outerShdw blurRad="40000" dist="20000" dir="5400000" rotWithShape="0">
+              <a:srgbClr val="000000">
+                <a:alpha val="38000"/>
+              </a:srgbClr>
+            </a:outerShdw>
+          </a:effectLst>
+        </a:effectStyle>
+        <a:effectStyle>
+          <a:effectLst>
+            <a:outerShdw blurRad="40000" dist="23000" dir="5400000" rotWithShape="0">
+              <a:srgbClr val="000000">
+                <a:alpha val="35000"/>
+              </a:srgbClr>
+            </a:outerShdw>
+          </a:effectLst>
+        </a:effectStyle>
+        <a:effectStyle>
+          <a:effectLst>
+            <a:outerShdw blurRad="40000" dist="23000" dir="5400000" rotWithShape="0">
+              <a:srgbClr val="000000">
+                <a:alpha val="35000"/>
+              </a:srgbClr>
+            </a:outerShdw>
+          </a:effectLst>
+          <a:scene3d>
+            <a:camera prst="orthographicFront">
+              <a:rot lat="0" lon="0" rev="0"/>
+            </a:camera>
+            <a:lightRig rig="threePt" dir="t">
+              <a:rot lat="0" lon="0" rev="1200000"/>
+            </a:lightRig>
+          </a:scene3d>
+          <a:sp3d>
+            <a:bevelT w="63500" h="25400"/>
+          </a:sp3d>
+        </a:effectStyle>
+      </a:effectStyleLst>
+      <a:bgFillStyleLst>
+        <a:solidFill>
+          <a:schemeClr val="phClr"/>
+        </a:solidFill>
+        <a:gradFill rotWithShape="1">
+          <a:gsLst>
+            <a:gs pos="0">
+              <a:schemeClr val="phClr">
+                <a:tint val="40000"/>
+                <a:satMod val="350000"/>
+              </a:schemeClr>
+            </a:gs>
+            <a:gs pos="40000">
+              <a:schemeClr val="phClr">
+                <a:tint val="45000"/>
+                <a:shade val="99000"/>
+                <a:satMod val="350000"/>
+              </a:schemeClr>
+            </a:gs>
+            <a:gs pos="100000">
+              <a:schemeClr val="phClr">
+                <a:shade val="20000"/>
+                <a:satMod val="255000"/>
+              </a:schemeClr>
+            </a:gs>
+          </a:gsLst>
+          <a:path path="circle">
+            <a:fillToRect l="50000" t="-80000" r="50000" b="180000"/>
+          </a:path>
+        </a:gradFill>
+        <a:gradFill rotWithShape="1">
+          <a:gsLst>
+            <a:gs pos="0">
+              <a:schemeClr val="phClr">
+                <a:tint val="80000"/>
+                <a:satMod val="300000"/>
+              </a:schemeClr>
+            </a:gs>
+            <a:gs pos="100000">
+              <a:schemeClr val="phClr">
+                <a:shade val="30000"/>
+                <a:satMod val="200000"/>
+              </a:schemeClr>
+            </a:gs>
+          </a:gsLst>
+          <a:path path="circle">
+            <a:fillToRect l="50000" t="50000" r="50000" b="50000"/>
+          </a:path>
+        </a:gradFill>
+      </a:bgFillStyleLst>
+    </a:fmtScheme>
+  </a:themeElements>
+</a:theme>
+</file>
+
+<file path=ppt/theme/theme2.xml><?xml version="1.0" encoding="utf-8"?>
 <a:theme xmlns:a="http://schemas.openxmlformats.org/drawingml/2006/main" xmlns:r="http://schemas.openxmlformats.org/officeDocument/2006/relationships" name="Simple Light">
   <a:themeElements>
     <a:clrScheme name="Simple Light">
@@ -16293,283 +16920,4 @@
     </a:fmtScheme>
   </a:themeElements>
 </a:theme>
-</file>
-
-<file path=ppt/theme/theme2.xml><?xml version="1.0" encoding="utf-8"?>
-<a:theme xmlns:a="http://schemas.openxmlformats.org/drawingml/2006/main" xmlns:r="http://schemas.openxmlformats.org/officeDocument/2006/relationships">
-  <a:themeElements>
-    <a:clrScheme name="Default">
-      <a:dk1>
-        <a:srgbClr val="000000"/>
-      </a:dk1>
-      <a:lt1>
-        <a:srgbClr val="FFFFFF"/>
-      </a:lt1>
-      <a:dk2>
-        <a:srgbClr val="158158"/>
-      </a:dk2>
-      <a:lt2>
-        <a:srgbClr val="F3F3F3"/>
-      </a:lt2>
-      <a:accent1>
-        <a:srgbClr val="058DC7"/>
-      </a:accent1>
-      <a:accent2>
-        <a:srgbClr val="50B432"/>
-      </a:accent2>
-      <a:accent3>
-        <a:srgbClr val="ED561B"/>
-      </a:accent3>
-      <a:accent4>
-        <a:srgbClr val="EDEF00"/>
-      </a:accent4>
-      <a:accent5>
-        <a:srgbClr val="24CBE5"/>
-      </a:accent5>
-      <a:accent6>
-        <a:srgbClr val="64E572"/>
-      </a:accent6>
-      <a:hlink>
-        <a:srgbClr val="2200CC"/>
-      </a:hlink>
-      <a:folHlink>
-        <a:srgbClr val="551A8B"/>
-      </a:folHlink>
-    </a:clrScheme>
-    <a:fontScheme name="Office">
-      <a:majorFont>
-        <a:latin typeface="Arial"/>
-        <a:ea typeface=""/>
-        <a:cs typeface=""/>
-        <a:font script="Jpan" typeface="ＭＳ Ｐゴシック"/>
-        <a:font script="Hang" typeface="맑은 고딕"/>
-        <a:font script="Hans" typeface="宋体"/>
-        <a:font script="Hant" typeface="新細明體"/>
-        <a:font script="Arab" typeface="Times New Roman"/>
-        <a:font script="Hebr" typeface="Times New Roman"/>
-        <a:font script="Thai" typeface="Angsana New"/>
-        <a:font script="Ethi" typeface="Nyala"/>
-        <a:font script="Beng" typeface="Vrinda"/>
-        <a:font script="Gujr" typeface="Shruti"/>
-        <a:font script="Khmr" typeface="MoolBoran"/>
-        <a:font script="Knda" typeface="Tunga"/>
-        <a:font script="Guru" typeface="Raavi"/>
-        <a:font script="Cans" typeface="Euphemia"/>
-        <a:font script="Cher" typeface="Plantagenet Cherokee"/>
-        <a:font script="Yiii" typeface="Microsoft Yi Baiti"/>
-        <a:font script="Tibt" typeface="Microsoft Himalaya"/>
-        <a:font script="Thaa" typeface="MV Boli"/>
-        <a:font script="Deva" typeface="Mangal"/>
-        <a:font script="Telu" typeface="Gautami"/>
-        <a:font script="Taml" typeface="Latha"/>
-        <a:font script="Syrc" typeface="Estrangelo Edessa"/>
-        <a:font script="Orya" typeface="Kalinga"/>
-        <a:font script="Mlym" typeface="Kartika"/>
-        <a:font script="Laoo" typeface="DokChampa"/>
-        <a:font script="Sinh" typeface="Iskoola Pota"/>
-        <a:font script="Mong" typeface="Mongolian Baiti"/>
-        <a:font script="Viet" typeface="Times New Roman"/>
-        <a:font script="Uigh" typeface="Microsoft Uighur"/>
-        <a:font script="Geor" typeface="Sylfaen"/>
-      </a:majorFont>
-      <a:minorFont>
-        <a:latin typeface="Arial"/>
-        <a:ea typeface=""/>
-        <a:cs typeface=""/>
-        <a:font script="Jpan" typeface="ＭＳ Ｐゴシック"/>
-        <a:font script="Hang" typeface="맑은 고딕"/>
-        <a:font script="Hans" typeface="宋体"/>
-        <a:font script="Hant" typeface="新細明體"/>
-        <a:font script="Arab" typeface="Arial"/>
-        <a:font script="Hebr" typeface="Arial"/>
-        <a:font script="Thai" typeface="Cordia New"/>
-        <a:font script="Ethi" typeface="Nyala"/>
-        <a:font script="Beng" typeface="Vrinda"/>
-        <a:font script="Gujr" typeface="Shruti"/>
-        <a:font script="Khmr" typeface="DaunPenh"/>
-        <a:font script="Knda" typeface="Tunga"/>
-        <a:font script="Guru" typeface="Raavi"/>
-        <a:font script="Cans" typeface="Euphemia"/>
-        <a:font script="Cher" typeface="Plantagenet Cherokee"/>
-        <a:font script="Yiii" typeface="Microsoft Yi Baiti"/>
-        <a:font script="Tibt" typeface="Microsoft Himalaya"/>
-        <a:font script="Thaa" typeface="MV Boli"/>
-        <a:font script="Deva" typeface="Mangal"/>
-        <a:font script="Telu" typeface="Gautami"/>
-        <a:font script="Taml" typeface="Latha"/>
-        <a:font script="Syrc" typeface="Estrangelo Edessa"/>
-        <a:font script="Orya" typeface="Kalinga"/>
-        <a:font script="Mlym" typeface="Kartika"/>
-        <a:font script="Laoo" typeface="DokChampa"/>
-        <a:font script="Sinh" typeface="Iskoola Pota"/>
-        <a:font script="Mong" typeface="Mongolian Baiti"/>
-        <a:font script="Viet" typeface="Arial"/>
-        <a:font script="Uigh" typeface="Microsoft Uighur"/>
-        <a:font script="Geor" typeface="Sylfaen"/>
-      </a:minorFont>
-    </a:fontScheme>
-    <a:fmtScheme name="Office">
-      <a:fillStyleLst>
-        <a:solidFill>
-          <a:schemeClr val="phClr"/>
-        </a:solidFill>
-        <a:gradFill rotWithShape="1">
-          <a:gsLst>
-            <a:gs pos="0">
-              <a:schemeClr val="phClr">
-                <a:tint val="50000"/>
-                <a:satMod val="300000"/>
-              </a:schemeClr>
-            </a:gs>
-            <a:gs pos="35000">
-              <a:schemeClr val="phClr">
-                <a:tint val="37000"/>
-                <a:satMod val="300000"/>
-              </a:schemeClr>
-            </a:gs>
-            <a:gs pos="100000">
-              <a:schemeClr val="phClr">
-                <a:tint val="15000"/>
-                <a:satMod val="350000"/>
-              </a:schemeClr>
-            </a:gs>
-          </a:gsLst>
-          <a:lin ang="16200000" scaled="1"/>
-        </a:gradFill>
-        <a:gradFill rotWithShape="1">
-          <a:gsLst>
-            <a:gs pos="0">
-              <a:schemeClr val="phClr">
-                <a:tint val="100000"/>
-                <a:shade val="100000"/>
-                <a:satMod val="130000"/>
-              </a:schemeClr>
-            </a:gs>
-            <a:gs pos="100000">
-              <a:schemeClr val="phClr">
-                <a:tint val="50000"/>
-                <a:shade val="100000"/>
-                <a:satMod val="350000"/>
-              </a:schemeClr>
-            </a:gs>
-          </a:gsLst>
-          <a:lin ang="16200000" scaled="0"/>
-        </a:gradFill>
-      </a:fillStyleLst>
-      <a:lnStyleLst>
-        <a:ln w="9525" cap="flat" cmpd="sng" algn="ctr">
-          <a:solidFill>
-            <a:schemeClr val="phClr">
-              <a:shade val="95000"/>
-              <a:satMod val="105000"/>
-            </a:schemeClr>
-          </a:solidFill>
-          <a:prstDash val="solid"/>
-        </a:ln>
-        <a:ln w="25400" cap="flat" cmpd="sng" algn="ctr">
-          <a:solidFill>
-            <a:schemeClr val="phClr"/>
-          </a:solidFill>
-          <a:prstDash val="solid"/>
-        </a:ln>
-        <a:ln w="38100" cap="flat" cmpd="sng" algn="ctr">
-          <a:solidFill>
-            <a:schemeClr val="phClr"/>
-          </a:solidFill>
-          <a:prstDash val="solid"/>
-        </a:ln>
-      </a:lnStyleLst>
-      <a:effectStyleLst>
-        <a:effectStyle>
-          <a:effectLst>
-            <a:outerShdw blurRad="40000" dist="20000" dir="5400000" rotWithShape="0">
-              <a:srgbClr val="000000">
-                <a:alpha val="38000"/>
-              </a:srgbClr>
-            </a:outerShdw>
-          </a:effectLst>
-        </a:effectStyle>
-        <a:effectStyle>
-          <a:effectLst>
-            <a:outerShdw blurRad="40000" dist="23000" dir="5400000" rotWithShape="0">
-              <a:srgbClr val="000000">
-                <a:alpha val="35000"/>
-              </a:srgbClr>
-            </a:outerShdw>
-          </a:effectLst>
-        </a:effectStyle>
-        <a:effectStyle>
-          <a:effectLst>
-            <a:outerShdw blurRad="40000" dist="23000" dir="5400000" rotWithShape="0">
-              <a:srgbClr val="000000">
-                <a:alpha val="35000"/>
-              </a:srgbClr>
-            </a:outerShdw>
-          </a:effectLst>
-          <a:scene3d>
-            <a:camera prst="orthographicFront">
-              <a:rot lat="0" lon="0" rev="0"/>
-            </a:camera>
-            <a:lightRig rig="threePt" dir="t">
-              <a:rot lat="0" lon="0" rev="1200000"/>
-            </a:lightRig>
-          </a:scene3d>
-          <a:sp3d>
-            <a:bevelT w="63500" h="25400"/>
-          </a:sp3d>
-        </a:effectStyle>
-      </a:effectStyleLst>
-      <a:bgFillStyleLst>
-        <a:solidFill>
-          <a:schemeClr val="phClr"/>
-        </a:solidFill>
-        <a:gradFill rotWithShape="1">
-          <a:gsLst>
-            <a:gs pos="0">
-              <a:schemeClr val="phClr">
-                <a:tint val="40000"/>
-                <a:satMod val="350000"/>
-              </a:schemeClr>
-            </a:gs>
-            <a:gs pos="40000">
-              <a:schemeClr val="phClr">
-                <a:tint val="45000"/>
-                <a:shade val="99000"/>
-                <a:satMod val="350000"/>
-              </a:schemeClr>
-            </a:gs>
-            <a:gs pos="100000">
-              <a:schemeClr val="phClr">
-                <a:shade val="20000"/>
-                <a:satMod val="255000"/>
-              </a:schemeClr>
-            </a:gs>
-          </a:gsLst>
-          <a:path path="circle">
-            <a:fillToRect l="50000" t="-80000" r="50000" b="180000"/>
-          </a:path>
-        </a:gradFill>
-        <a:gradFill rotWithShape="1">
-          <a:gsLst>
-            <a:gs pos="0">
-              <a:schemeClr val="phClr">
-                <a:tint val="80000"/>
-                <a:satMod val="300000"/>
-              </a:schemeClr>
-            </a:gs>
-            <a:gs pos="100000">
-              <a:schemeClr val="phClr">
-                <a:shade val="30000"/>
-                <a:satMod val="200000"/>
-              </a:schemeClr>
-            </a:gs>
-          </a:gsLst>
-          <a:path path="circle">
-            <a:fillToRect l="50000" t="50000" r="50000" b="50000"/>
-          </a:path>
-        </a:gradFill>
-      </a:bgFillStyleLst>
-    </a:fmtScheme>
-  </a:themeElements>
-</a:theme>
 </file>